--- a/Cracking Wireless Networks/Cracking Wireless Networks.pptx
+++ b/Cracking Wireless Networks/Cracking Wireless Networks.pptx
@@ -131,6 +131,22 @@
       </a:defRPr>
     </a:lvl9pPr>
   </p:defaultTextStyle>
+  <p:extLst>
+    <p:ext uri="{EFAFB233-063F-42B5-8137-9DF3F51BA10A}">
+      <p15:sldGuideLst xmlns:p15="http://schemas.microsoft.com/office/powerpoint/2012/main">
+        <p15:guide id="1" orient="horz" pos="2160">
+          <p15:clr>
+            <a:srgbClr val="A4A3A4"/>
+          </p15:clr>
+        </p15:guide>
+        <p15:guide id="2" pos="2880">
+          <p15:clr>
+            <a:srgbClr val="A4A3A4"/>
+          </p15:clr>
+        </p15:guide>
+      </p15:sldGuideLst>
+    </p:ext>
+  </p:extLst>
 </p:presentation>
 </file>
 
@@ -316,7 +332,7 @@
             <a:fld id="{50D1ED43-7853-4656-BDE2-C5FA44CB9ECA}" type="datetimeFigureOut">
               <a:rPr lang="en-US" smtClean="0"/>
               <a:pPr/>
-              <a:t>3/25/2012</a:t>
+              <a:t>9/25/2018</a:t>
             </a:fld>
             <a:endParaRPr lang="en-US"/>
           </a:p>
@@ -483,7 +499,7 @@
             <a:fld id="{50D1ED43-7853-4656-BDE2-C5FA44CB9ECA}" type="datetimeFigureOut">
               <a:rPr lang="en-US" smtClean="0"/>
               <a:pPr/>
-              <a:t>3/25/2012</a:t>
+              <a:t>9/25/2018</a:t>
             </a:fld>
             <a:endParaRPr lang="en-US"/>
           </a:p>
@@ -660,7 +676,7 @@
             <a:fld id="{50D1ED43-7853-4656-BDE2-C5FA44CB9ECA}" type="datetimeFigureOut">
               <a:rPr lang="en-US" smtClean="0"/>
               <a:pPr/>
-              <a:t>3/25/2012</a:t>
+              <a:t>9/25/2018</a:t>
             </a:fld>
             <a:endParaRPr lang="en-US"/>
           </a:p>
@@ -827,7 +843,7 @@
             <a:fld id="{50D1ED43-7853-4656-BDE2-C5FA44CB9ECA}" type="datetimeFigureOut">
               <a:rPr lang="en-US" smtClean="0"/>
               <a:pPr/>
-              <a:t>3/25/2012</a:t>
+              <a:t>9/25/2018</a:t>
             </a:fld>
             <a:endParaRPr lang="en-US"/>
           </a:p>
@@ -1070,7 +1086,7 @@
             <a:fld id="{50D1ED43-7853-4656-BDE2-C5FA44CB9ECA}" type="datetimeFigureOut">
               <a:rPr lang="en-US" smtClean="0"/>
               <a:pPr/>
-              <a:t>3/25/2012</a:t>
+              <a:t>9/25/2018</a:t>
             </a:fld>
             <a:endParaRPr lang="en-US"/>
           </a:p>
@@ -1355,7 +1371,7 @@
             <a:fld id="{50D1ED43-7853-4656-BDE2-C5FA44CB9ECA}" type="datetimeFigureOut">
               <a:rPr lang="en-US" smtClean="0"/>
               <a:pPr/>
-              <a:t>3/25/2012</a:t>
+              <a:t>9/25/2018</a:t>
             </a:fld>
             <a:endParaRPr lang="en-US"/>
           </a:p>
@@ -1774,7 +1790,7 @@
             <a:fld id="{50D1ED43-7853-4656-BDE2-C5FA44CB9ECA}" type="datetimeFigureOut">
               <a:rPr lang="en-US" smtClean="0"/>
               <a:pPr/>
-              <a:t>3/25/2012</a:t>
+              <a:t>9/25/2018</a:t>
             </a:fld>
             <a:endParaRPr lang="en-US"/>
           </a:p>
@@ -1889,7 +1905,7 @@
             <a:fld id="{50D1ED43-7853-4656-BDE2-C5FA44CB9ECA}" type="datetimeFigureOut">
               <a:rPr lang="en-US" smtClean="0"/>
               <a:pPr/>
-              <a:t>3/25/2012</a:t>
+              <a:t>9/25/2018</a:t>
             </a:fld>
             <a:endParaRPr lang="en-US"/>
           </a:p>
@@ -1981,7 +1997,7 @@
             <a:fld id="{50D1ED43-7853-4656-BDE2-C5FA44CB9ECA}" type="datetimeFigureOut">
               <a:rPr lang="en-US" smtClean="0"/>
               <a:pPr/>
-              <a:t>3/25/2012</a:t>
+              <a:t>9/25/2018</a:t>
             </a:fld>
             <a:endParaRPr lang="en-US"/>
           </a:p>
@@ -2255,7 +2271,7 @@
             <a:fld id="{50D1ED43-7853-4656-BDE2-C5FA44CB9ECA}" type="datetimeFigureOut">
               <a:rPr lang="en-US" smtClean="0"/>
               <a:pPr/>
-              <a:t>3/25/2012</a:t>
+              <a:t>9/25/2018</a:t>
             </a:fld>
             <a:endParaRPr lang="en-US"/>
           </a:p>
@@ -2505,7 +2521,7 @@
             <a:fld id="{50D1ED43-7853-4656-BDE2-C5FA44CB9ECA}" type="datetimeFigureOut">
               <a:rPr lang="en-US" smtClean="0"/>
               <a:pPr/>
-              <a:t>3/25/2012</a:t>
+              <a:t>9/25/2018</a:t>
             </a:fld>
             <a:endParaRPr lang="en-US"/>
           </a:p>
@@ -2715,7 +2731,7 @@
             <a:fld id="{50D1ED43-7853-4656-BDE2-C5FA44CB9ECA}" type="datetimeFigureOut">
               <a:rPr lang="en-US" smtClean="0"/>
               <a:pPr/>
-              <a:t>3/25/2012</a:t>
+              <a:t>9/25/2018</a:t>
             </a:fld>
             <a:endParaRPr lang="en-US"/>
           </a:p>
@@ -5126,15 +5142,7 @@
             </a:r>
             <a:r>
               <a:rPr lang="en-US" dirty="0" smtClean="0"/>
-              <a:t>, </a:t>
-            </a:r>
-            <a:r>
-              <a:rPr lang="en-US" dirty="0" smtClean="0"/>
-              <a:t>is not </a:t>
-            </a:r>
-            <a:r>
-              <a:rPr lang="en-US" dirty="0" smtClean="0"/>
-              <a:t>to be held liable for any damages or illegal/unethical activity resulting from the use or misuse of the information in this presentation.</a:t>
+              <a:t>, is not to be held liable for any damages or illegal/unethical activity resulting from the use or misuse of the information in this presentation.</a:t>
             </a:r>
             <a:endParaRPr lang="en-US" dirty="0"/>
           </a:p>
@@ -6903,11 +6911,7 @@
           <a:p>
             <a:r>
               <a:rPr lang="en-US" dirty="0" smtClean="0"/>
-              <a:t>Authentication </a:t>
-            </a:r>
-            <a:r>
-              <a:rPr lang="en-US" dirty="0" smtClean="0"/>
-              <a:t>and cipher types</a:t>
+              <a:t>Authentication and cipher types</a:t>
             </a:r>
             <a:endParaRPr lang="en-US" dirty="0"/>
           </a:p>
@@ -7542,7 +7546,15 @@
           <a:p>
             <a:r>
               <a:rPr lang="en-US" dirty="0" smtClean="0"/>
-              <a:t>Knowledge of Unix (Represent!)</a:t>
+              <a:t>Knowledge of </a:t>
+            </a:r>
+            <a:r>
+              <a:rPr lang="en-US" dirty="0" smtClean="0"/>
+              <a:t>Linux/Unix </a:t>
+            </a:r>
+            <a:r>
+              <a:rPr lang="en-US" dirty="0" smtClean="0"/>
+              <a:t>(Represent!)</a:t>
             </a:r>
           </a:p>
           <a:p>
@@ -7580,15 +7592,11 @@
             <a:pPr lvl="1"/>
             <a:r>
               <a:rPr lang="en-US" dirty="0" smtClean="0"/>
-              <a:t>Cracking my neighbors </a:t>
-            </a:r>
-            <a:r>
-              <a:rPr lang="en-US" dirty="0" err="1" smtClean="0"/>
-              <a:t>wi-fi</a:t>
-            </a:r>
-            <a:r>
-              <a:rPr lang="en-US" dirty="0" smtClean="0"/>
-              <a:t> took 8 hours</a:t>
+              <a:t>If </a:t>
+            </a:r>
+            <a:r>
+              <a:rPr lang="en-US" smtClean="0"/>
+              <a:t>manually creating a hash table</a:t>
             </a:r>
             <a:endParaRPr lang="en-US" dirty="0"/>
           </a:p>
